--- a/Australian_Energy_Consumption_Prediction/Presentation.pptx
+++ b/Australian_Energy_Consumption_Prediction/Presentation.pptx
@@ -17,8 +17,9 @@
     <p:sldId id="271" r:id="rId11"/>
     <p:sldId id="272" r:id="rId12"/>
     <p:sldId id="269" r:id="rId13"/>
-    <p:sldId id="267" r:id="rId14"/>
-    <p:sldId id="268" r:id="rId15"/>
+    <p:sldId id="273" r:id="rId14"/>
+    <p:sldId id="267" r:id="rId15"/>
+    <p:sldId id="268" r:id="rId16"/>
   </p:sldIdLst>
   <p:sldSz cx="9144000" cy="6858000" type="screen4x3"/>
   <p:notesSz cx="6858000" cy="9144000"/>
@@ -411,11 +412,11 @@
         </c:dLbls>
         <c:marker val="1"/>
         <c:smooth val="0"/>
-        <c:axId val="215598592"/>
-        <c:axId val="215600128"/>
+        <c:axId val="171309696"/>
+        <c:axId val="171368832"/>
       </c:lineChart>
       <c:catAx>
-        <c:axId val="215598592"/>
+        <c:axId val="171309696"/>
         <c:scaling>
           <c:orientation val="minMax"/>
         </c:scaling>
@@ -424,7 +425,7 @@
         <c:majorTickMark val="out"/>
         <c:minorTickMark val="none"/>
         <c:tickLblPos val="nextTo"/>
-        <c:crossAx val="215600128"/>
+        <c:crossAx val="171368832"/>
         <c:crosses val="autoZero"/>
         <c:auto val="1"/>
         <c:lblAlgn val="ctr"/>
@@ -432,7 +433,7 @@
         <c:noMultiLvlLbl val="0"/>
       </c:catAx>
       <c:valAx>
-        <c:axId val="215600128"/>
+        <c:axId val="171368832"/>
         <c:scaling>
           <c:orientation val="minMax"/>
         </c:scaling>
@@ -443,7 +444,7 @@
         <c:majorTickMark val="out"/>
         <c:minorTickMark val="none"/>
         <c:tickLblPos val="nextTo"/>
-        <c:crossAx val="215598592"/>
+        <c:crossAx val="171309696"/>
         <c:crosses val="autoZero"/>
         <c:crossBetween val="between"/>
       </c:valAx>
@@ -3216,7 +3217,7 @@
             <a:fld id="{1D8BD707-D9CF-40AE-B4C6-C98DA3205C09}" type="datetimeFigureOut">
               <a:rPr lang="en-US" smtClean="0"/>
               <a:pPr/>
-              <a:t>7/18/2021</a:t>
+              <a:t>7/19/2021</a:t>
             </a:fld>
             <a:endParaRPr lang="en-US"/>
           </a:p>
@@ -3503,7 +3504,7 @@
             <a:fld id="{1D8BD707-D9CF-40AE-B4C6-C98DA3205C09}" type="datetimeFigureOut">
               <a:rPr lang="en-US" smtClean="0"/>
               <a:pPr/>
-              <a:t>7/18/2021</a:t>
+              <a:t>7/19/2021</a:t>
             </a:fld>
             <a:endParaRPr lang="en-US"/>
           </a:p>
@@ -3680,7 +3681,7 @@
             <a:fld id="{1D8BD707-D9CF-40AE-B4C6-C98DA3205C09}" type="datetimeFigureOut">
               <a:rPr lang="en-US" smtClean="0"/>
               <a:pPr/>
-              <a:t>7/18/2021</a:t>
+              <a:t>7/19/2021</a:t>
             </a:fld>
             <a:endParaRPr lang="en-US"/>
           </a:p>
@@ -3847,7 +3848,7 @@
             <a:fld id="{1D8BD707-D9CF-40AE-B4C6-C98DA3205C09}" type="datetimeFigureOut">
               <a:rPr lang="en-US" smtClean="0"/>
               <a:pPr/>
-              <a:t>7/18/2021</a:t>
+              <a:t>7/19/2021</a:t>
             </a:fld>
             <a:endParaRPr lang="en-US"/>
           </a:p>
@@ -4090,7 +4091,7 @@
             <a:fld id="{1D8BD707-D9CF-40AE-B4C6-C98DA3205C09}" type="datetimeFigureOut">
               <a:rPr lang="en-US" smtClean="0"/>
               <a:pPr/>
-              <a:t>7/18/2021</a:t>
+              <a:t>7/19/2021</a:t>
             </a:fld>
             <a:endParaRPr lang="en-US"/>
           </a:p>
@@ -4205,7 +4206,7 @@
             <a:fld id="{1D8BD707-D9CF-40AE-B4C6-C98DA3205C09}" type="datetimeFigureOut">
               <a:rPr lang="en-US" smtClean="0"/>
               <a:pPr/>
-              <a:t>7/18/2021</a:t>
+              <a:t>7/19/2021</a:t>
             </a:fld>
             <a:endParaRPr lang="en-US"/>
           </a:p>
@@ -4746,7 +4747,7 @@
             <a:fld id="{1D8BD707-D9CF-40AE-B4C6-C98DA3205C09}" type="datetimeFigureOut">
               <a:rPr lang="en-US" smtClean="0"/>
               <a:pPr/>
-              <a:t>7/18/2021</a:t>
+              <a:t>7/19/2021</a:t>
             </a:fld>
             <a:endParaRPr lang="en-US"/>
           </a:p>
@@ -4861,7 +4862,7 @@
             <a:fld id="{1D8BD707-D9CF-40AE-B4C6-C98DA3205C09}" type="datetimeFigureOut">
               <a:rPr lang="en-US" smtClean="0"/>
               <a:pPr/>
-              <a:t>7/18/2021</a:t>
+              <a:t>7/19/2021</a:t>
             </a:fld>
             <a:endParaRPr lang="en-US"/>
           </a:p>
@@ -4953,7 +4954,7 @@
             <a:fld id="{1D8BD707-D9CF-40AE-B4C6-C98DA3205C09}" type="datetimeFigureOut">
               <a:rPr lang="en-US" smtClean="0"/>
               <a:pPr/>
-              <a:t>7/18/2021</a:t>
+              <a:t>7/19/2021</a:t>
             </a:fld>
             <a:endParaRPr lang="en-US"/>
           </a:p>
@@ -7606,7 +7607,7 @@
             <a:fld id="{1D8BD707-D9CF-40AE-B4C6-C98DA3205C09}" type="datetimeFigureOut">
               <a:rPr lang="en-US" smtClean="0"/>
               <a:pPr/>
-              <a:t>7/18/2021</a:t>
+              <a:t>7/19/2021</a:t>
             </a:fld>
             <a:endParaRPr lang="en-US"/>
           </a:p>
@@ -10820,7 +10821,7 @@
             <a:fld id="{1D8BD707-D9CF-40AE-B4C6-C98DA3205C09}" type="datetimeFigureOut">
               <a:rPr lang="en-US" smtClean="0"/>
               <a:pPr/>
-              <a:t>7/18/2021</a:t>
+              <a:t>7/19/2021</a:t>
             </a:fld>
             <a:endParaRPr lang="en-US"/>
           </a:p>
@@ -13644,7 +13645,7 @@
             <a:fld id="{1D8BD707-D9CF-40AE-B4C6-C98DA3205C09}" type="datetimeFigureOut">
               <a:rPr lang="en-US" smtClean="0"/>
               <a:pPr/>
-              <a:t>7/18/2021</a:t>
+              <a:t>7/19/2021</a:t>
             </a:fld>
             <a:endParaRPr lang="en-US"/>
           </a:p>
@@ -15018,6 +15019,261 @@
       </p:grpSpPr>
       <p:sp>
         <p:nvSpPr>
+          <p:cNvPr id="2" name="Title 1"/>
+          <p:cNvSpPr>
+            <a:spLocks noGrp="1"/>
+          </p:cNvSpPr>
+          <p:nvPr>
+            <p:ph type="title"/>
+          </p:nvPr>
+        </p:nvSpPr>
+        <p:spPr/>
+        <p:txBody>
+          <a:bodyPr/>
+          <a:lstStyle/>
+          <a:p>
+            <a:pPr algn="ctr"/>
+            <a:r>
+              <a:rPr lang="en-AU" altLang="zh-HK" dirty="0" smtClean="0"/>
+              <a:t>Conclusions</a:t>
+            </a:r>
+            <a:endParaRPr lang="zh-HK" altLang="en-US" dirty="0"/>
+          </a:p>
+        </p:txBody>
+      </p:sp>
+      <p:sp>
+        <p:nvSpPr>
+          <p:cNvPr id="3" name="Content Placeholder 2"/>
+          <p:cNvSpPr>
+            <a:spLocks noGrp="1"/>
+          </p:cNvSpPr>
+          <p:nvPr>
+            <p:ph idx="1"/>
+          </p:nvPr>
+        </p:nvSpPr>
+        <p:spPr/>
+        <p:txBody>
+          <a:bodyPr>
+            <a:normAutofit/>
+          </a:bodyPr>
+          <a:lstStyle/>
+          <a:p>
+            <a:r>
+              <a:rPr lang="en-AU" altLang="zh-HK" sz="2000" dirty="0" smtClean="0"/>
+              <a:t>Both </a:t>
+            </a:r>
+            <a:r>
+              <a:rPr lang="en-AU" altLang="zh-HK" sz="2000" b="1" dirty="0" smtClean="0">
+                <a:solidFill>
+                  <a:schemeClr val="accent3">
+                    <a:lumMod val="75000"/>
+                  </a:schemeClr>
+                </a:solidFill>
+              </a:rPr>
+              <a:t>Linear</a:t>
+            </a:r>
+            <a:r>
+              <a:rPr lang="en-AU" altLang="zh-HK" sz="2000" dirty="0" smtClean="0">
+                <a:solidFill>
+                  <a:schemeClr val="accent3">
+                    <a:lumMod val="75000"/>
+                  </a:schemeClr>
+                </a:solidFill>
+              </a:rPr>
+              <a:t> </a:t>
+            </a:r>
+            <a:r>
+              <a:rPr lang="en-AU" altLang="zh-HK" sz="2000" dirty="0" smtClean="0"/>
+              <a:t>and </a:t>
+            </a:r>
+            <a:r>
+              <a:rPr lang="en-AU" altLang="zh-HK" sz="2000" b="1" dirty="0" smtClean="0">
+                <a:solidFill>
+                  <a:schemeClr val="accent3">
+                    <a:lumMod val="75000"/>
+                  </a:schemeClr>
+                </a:solidFill>
+              </a:rPr>
+              <a:t>Ridge</a:t>
+            </a:r>
+            <a:r>
+              <a:rPr lang="en-AU" altLang="zh-HK" sz="2000" dirty="0" smtClean="0">
+                <a:solidFill>
+                  <a:schemeClr val="accent3">
+                    <a:lumMod val="75000"/>
+                  </a:schemeClr>
+                </a:solidFill>
+              </a:rPr>
+              <a:t> </a:t>
+            </a:r>
+            <a:r>
+              <a:rPr lang="en-AU" altLang="zh-HK" sz="2000" b="1" dirty="0" smtClean="0">
+                <a:solidFill>
+                  <a:schemeClr val="accent3">
+                    <a:lumMod val="75000"/>
+                  </a:schemeClr>
+                </a:solidFill>
+              </a:rPr>
+              <a:t>Regression</a:t>
+            </a:r>
+            <a:r>
+              <a:rPr lang="en-AU" altLang="zh-HK" sz="2000" dirty="0" smtClean="0">
+                <a:solidFill>
+                  <a:schemeClr val="accent3">
+                    <a:lumMod val="75000"/>
+                  </a:schemeClr>
+                </a:solidFill>
+              </a:rPr>
+              <a:t> </a:t>
+            </a:r>
+            <a:r>
+              <a:rPr lang="en-AU" altLang="zh-HK" sz="2000" dirty="0" smtClean="0"/>
+              <a:t>performed well in predicting total annual energy consumption</a:t>
+            </a:r>
+          </a:p>
+          <a:p>
+            <a:pPr marL="68580" indent="0">
+              <a:buNone/>
+            </a:pPr>
+            <a:endParaRPr lang="en-AU" altLang="zh-HK" sz="2000" dirty="0" smtClean="0"/>
+          </a:p>
+          <a:p>
+            <a:r>
+              <a:rPr lang="en-AU" altLang="zh-HK" sz="2000" b="1" dirty="0" smtClean="0">
+                <a:solidFill>
+                  <a:schemeClr val="accent3">
+                    <a:lumMod val="75000"/>
+                  </a:schemeClr>
+                </a:solidFill>
+              </a:rPr>
+              <a:t>Population</a:t>
+            </a:r>
+            <a:r>
+              <a:rPr lang="en-AU" altLang="zh-HK" sz="2000" dirty="0" smtClean="0">
+                <a:solidFill>
+                  <a:schemeClr val="accent3">
+                    <a:lumMod val="75000"/>
+                  </a:schemeClr>
+                </a:solidFill>
+              </a:rPr>
+              <a:t> </a:t>
+            </a:r>
+            <a:r>
+              <a:rPr lang="en-AU" altLang="zh-HK" sz="2000" dirty="0" smtClean="0"/>
+              <a:t>and </a:t>
+            </a:r>
+            <a:r>
+              <a:rPr lang="en-AU" altLang="zh-HK" sz="2000" b="1" dirty="0" smtClean="0">
+                <a:solidFill>
+                  <a:schemeClr val="accent3">
+                    <a:lumMod val="75000"/>
+                  </a:schemeClr>
+                </a:solidFill>
+              </a:rPr>
+              <a:t>GDP</a:t>
+            </a:r>
+            <a:r>
+              <a:rPr lang="en-AU" altLang="zh-HK" sz="2000" dirty="0" smtClean="0">
+                <a:solidFill>
+                  <a:schemeClr val="accent3">
+                    <a:lumMod val="75000"/>
+                  </a:schemeClr>
+                </a:solidFill>
+              </a:rPr>
+              <a:t> </a:t>
+            </a:r>
+            <a:r>
+              <a:rPr lang="en-AU" altLang="zh-HK" sz="2000" dirty="0" smtClean="0"/>
+              <a:t>are good indicators to predict the energy consumption of industries like </a:t>
+            </a:r>
+            <a:r>
+              <a:rPr lang="en-AU" altLang="zh-HK" sz="2000" b="1" dirty="0" smtClean="0">
+                <a:solidFill>
+                  <a:schemeClr val="accent3">
+                    <a:lumMod val="75000"/>
+                  </a:schemeClr>
+                </a:solidFill>
+              </a:rPr>
+              <a:t>Transport</a:t>
+            </a:r>
+            <a:r>
+              <a:rPr lang="en-AU" altLang="zh-HK" sz="2000" dirty="0" smtClean="0">
+                <a:solidFill>
+                  <a:schemeClr val="accent3">
+                    <a:lumMod val="75000"/>
+                  </a:schemeClr>
+                </a:solidFill>
+              </a:rPr>
+              <a:t> </a:t>
+            </a:r>
+            <a:r>
+              <a:rPr lang="en-AU" altLang="zh-HK" sz="2000" dirty="0" smtClean="0"/>
+              <a:t>and </a:t>
+            </a:r>
+            <a:r>
+              <a:rPr lang="en-AU" altLang="zh-HK" sz="2000" b="1" dirty="0" smtClean="0">
+                <a:solidFill>
+                  <a:schemeClr val="accent3">
+                    <a:lumMod val="75000"/>
+                  </a:schemeClr>
+                </a:solidFill>
+              </a:rPr>
+              <a:t>Electricity Generation</a:t>
+            </a:r>
+            <a:r>
+              <a:rPr lang="en-AU" altLang="zh-HK" sz="2000" dirty="0" smtClean="0"/>
+              <a:t>, but not </a:t>
+            </a:r>
+            <a:r>
+              <a:rPr lang="en-AU" altLang="zh-HK" sz="2000" b="1" dirty="0" smtClean="0">
+                <a:solidFill>
+                  <a:schemeClr val="accent3">
+                    <a:lumMod val="75000"/>
+                  </a:schemeClr>
+                </a:solidFill>
+              </a:rPr>
+              <a:t>Manufacturing</a:t>
+            </a:r>
+            <a:r>
+              <a:rPr lang="en-AU" altLang="zh-HK" sz="2000" dirty="0" smtClean="0"/>
+              <a:t>.</a:t>
+            </a:r>
+            <a:endParaRPr lang="zh-HK" altLang="en-US" sz="2000" dirty="0"/>
+          </a:p>
+        </p:txBody>
+      </p:sp>
+    </p:spTree>
+    <p:extLst>
+      <p:ext uri="{BB962C8B-B14F-4D97-AF65-F5344CB8AC3E}">
+        <p14:creationId xmlns:p14="http://schemas.microsoft.com/office/powerpoint/2010/main" val="609488989"/>
+      </p:ext>
+    </p:extLst>
+  </p:cSld>
+  <p:clrMapOvr>
+    <a:masterClrMapping/>
+  </p:clrMapOvr>
+</p:sld>
+</file>
+
+<file path=ppt/slides/slide14.xml><?xml version="1.0" encoding="utf-8"?>
+<p:sld xmlns:a="http://schemas.openxmlformats.org/drawingml/2006/main" xmlns:r="http://schemas.openxmlformats.org/officeDocument/2006/relationships" xmlns:p="http://schemas.openxmlformats.org/presentationml/2006/main">
+  <p:cSld>
+    <p:spTree>
+      <p:nvGrpSpPr>
+        <p:cNvPr id="1" name=""/>
+        <p:cNvGrpSpPr/>
+        <p:nvPr/>
+      </p:nvGrpSpPr>
+      <p:grpSpPr>
+        <a:xfrm>
+          <a:off x="0" y="0"/>
+          <a:ext cx="0" cy="0"/>
+          <a:chOff x="0" y="0"/>
+          <a:chExt cx="0" cy="0"/>
+        </a:xfrm>
+      </p:grpSpPr>
+      <p:sp>
+        <p:nvSpPr>
           <p:cNvPr id="4" name="Title 3"/>
           <p:cNvSpPr>
             <a:spLocks noGrp="1"/>
@@ -15058,7 +15314,7 @@
 </p:sld>
 </file>
 
-<file path=ppt/slides/slide14.xml><?xml version="1.0" encoding="utf-8"?>
+<file path=ppt/slides/slide15.xml><?xml version="1.0" encoding="utf-8"?>
 <p:sld xmlns:a="http://schemas.openxmlformats.org/drawingml/2006/main" xmlns:r="http://schemas.openxmlformats.org/officeDocument/2006/relationships" xmlns:p="http://schemas.openxmlformats.org/presentationml/2006/main">
   <p:cSld>
     <p:spTree>
